--- a/教案/单元测试.pptx
+++ b/教案/单元测试.pptx
@@ -397,7 +397,7 @@
             <a:fld id="{B61BEF0D-F0BB-DE4B-95CE-6DB70DBA9567}" type="datetimeFigureOut">
               <a:rPr lang="en-US" smtClean="0"/>
               <a:pPr/>
-              <a:t>12/5/2018</a:t>
+              <a:t>12/11/2018</a:t>
             </a:fld>
             <a:endParaRPr lang="en-US" dirty="0"/>
           </a:p>
@@ -731,7 +731,7 @@
             <a:fld id="{B61BEF0D-F0BB-DE4B-95CE-6DB70DBA9567}" type="datetimeFigureOut">
               <a:rPr lang="en-US" smtClean="0"/>
               <a:pPr/>
-              <a:t>12/5/2018</a:t>
+              <a:t>12/11/2018</a:t>
             </a:fld>
             <a:endParaRPr lang="en-US" dirty="0"/>
           </a:p>
@@ -1132,7 +1132,7 @@
             <a:fld id="{B61BEF0D-F0BB-DE4B-95CE-6DB70DBA9567}" type="datetimeFigureOut">
               <a:rPr lang="en-US" smtClean="0"/>
               <a:pPr/>
-              <a:t>12/5/2018</a:t>
+              <a:t>12/11/2018</a:t>
             </a:fld>
             <a:endParaRPr lang="en-US" dirty="0"/>
           </a:p>
@@ -1468,7 +1468,7 @@
             <a:fld id="{B61BEF0D-F0BB-DE4B-95CE-6DB70DBA9567}" type="datetimeFigureOut">
               <a:rPr lang="en-US" smtClean="0"/>
               <a:pPr/>
-              <a:t>12/5/2018</a:t>
+              <a:t>12/11/2018</a:t>
             </a:fld>
             <a:endParaRPr lang="en-US" dirty="0"/>
           </a:p>
@@ -1788,7 +1788,7 @@
             <a:fld id="{B61BEF0D-F0BB-DE4B-95CE-6DB70DBA9567}" type="datetimeFigureOut">
               <a:rPr lang="en-US" smtClean="0"/>
               <a:pPr/>
-              <a:t>12/5/2018</a:t>
+              <a:t>12/11/2018</a:t>
             </a:fld>
             <a:endParaRPr lang="en-US" dirty="0"/>
           </a:p>
@@ -2184,7 +2184,7 @@
             <a:fld id="{B61BEF0D-F0BB-DE4B-95CE-6DB70DBA9567}" type="datetimeFigureOut">
               <a:rPr lang="en-US" smtClean="0"/>
               <a:pPr/>
-              <a:t>12/5/2018</a:t>
+              <a:t>12/11/2018</a:t>
             </a:fld>
             <a:endParaRPr lang="en-US" dirty="0"/>
           </a:p>
@@ -2441,7 +2441,7 @@
             <a:fld id="{B61BEF0D-F0BB-DE4B-95CE-6DB70DBA9567}" type="datetimeFigureOut">
               <a:rPr lang="en-US" smtClean="0"/>
               <a:pPr/>
-              <a:t>12/5/2018</a:t>
+              <a:t>12/11/2018</a:t>
             </a:fld>
             <a:endParaRPr lang="en-US" dirty="0"/>
           </a:p>
@@ -2703,7 +2703,7 @@
             <a:fld id="{B61BEF0D-F0BB-DE4B-95CE-6DB70DBA9567}" type="datetimeFigureOut">
               <a:rPr lang="en-US" smtClean="0"/>
               <a:pPr/>
-              <a:t>12/5/2018</a:t>
+              <a:t>12/11/2018</a:t>
             </a:fld>
             <a:endParaRPr lang="en-US" dirty="0"/>
           </a:p>
@@ -2965,7 +2965,7 @@
             <a:fld id="{B61BEF0D-F0BB-DE4B-95CE-6DB70DBA9567}" type="datetimeFigureOut">
               <a:rPr lang="en-US" smtClean="0"/>
               <a:pPr/>
-              <a:t>12/5/2018</a:t>
+              <a:t>12/11/2018</a:t>
             </a:fld>
             <a:endParaRPr lang="en-US" dirty="0"/>
           </a:p>
@@ -3294,7 +3294,7 @@
             <a:fld id="{B61BEF0D-F0BB-DE4B-95CE-6DB70DBA9567}" type="datetimeFigureOut">
               <a:rPr lang="en-US" smtClean="0"/>
               <a:pPr/>
-              <a:t>12/5/2018</a:t>
+              <a:t>12/11/2018</a:t>
             </a:fld>
             <a:endParaRPr lang="en-US" dirty="0"/>
           </a:p>
@@ -3617,7 +3617,7 @@
             <a:fld id="{B61BEF0D-F0BB-DE4B-95CE-6DB70DBA9567}" type="datetimeFigureOut">
               <a:rPr lang="en-US" smtClean="0"/>
               <a:pPr/>
-              <a:t>12/5/2018</a:t>
+              <a:t>12/11/2018</a:t>
             </a:fld>
             <a:endParaRPr lang="en-US" dirty="0"/>
           </a:p>
@@ -4074,7 +4074,7 @@
             <a:fld id="{B61BEF0D-F0BB-DE4B-95CE-6DB70DBA9567}" type="datetimeFigureOut">
               <a:rPr lang="en-US" smtClean="0"/>
               <a:pPr/>
-              <a:t>12/5/2018</a:t>
+              <a:t>12/11/2018</a:t>
             </a:fld>
             <a:endParaRPr lang="en-US" dirty="0"/>
           </a:p>
@@ -4284,7 +4284,7 @@
             <a:fld id="{B61BEF0D-F0BB-DE4B-95CE-6DB70DBA9567}" type="datetimeFigureOut">
               <a:rPr lang="en-US" smtClean="0"/>
               <a:pPr/>
-              <a:t>12/5/2018</a:t>
+              <a:t>12/11/2018</a:t>
             </a:fld>
             <a:endParaRPr lang="en-US" dirty="0"/>
           </a:p>
@@ -4461,7 +4461,7 @@
             <a:fld id="{B61BEF0D-F0BB-DE4B-95CE-6DB70DBA9567}" type="datetimeFigureOut">
               <a:rPr lang="en-US" smtClean="0"/>
               <a:pPr/>
-              <a:t>12/5/2018</a:t>
+              <a:t>12/11/2018</a:t>
             </a:fld>
             <a:endParaRPr lang="en-US" dirty="0"/>
           </a:p>
@@ -4794,7 +4794,7 @@
             <a:fld id="{B61BEF0D-F0BB-DE4B-95CE-6DB70DBA9567}" type="datetimeFigureOut">
               <a:rPr lang="en-US" smtClean="0"/>
               <a:pPr/>
-              <a:t>12/5/2018</a:t>
+              <a:t>12/11/2018</a:t>
             </a:fld>
             <a:endParaRPr lang="en-US" dirty="0"/>
           </a:p>
@@ -5139,7 +5139,7 @@
             <a:fld id="{B61BEF0D-F0BB-DE4B-95CE-6DB70DBA9567}" type="datetimeFigureOut">
               <a:rPr lang="en-US" smtClean="0"/>
               <a:pPr/>
-              <a:t>12/5/2018</a:t>
+              <a:t>12/11/2018</a:t>
             </a:fld>
             <a:endParaRPr lang="en-US" dirty="0"/>
           </a:p>
@@ -7256,7 +7256,7 @@
             <a:fld id="{B61BEF0D-F0BB-DE4B-95CE-6DB70DBA9567}" type="datetimeFigureOut">
               <a:rPr lang="en-US" smtClean="0"/>
               <a:pPr/>
-              <a:t>12/5/2018</a:t>
+              <a:t>12/11/2018</a:t>
             </a:fld>
             <a:endParaRPr lang="en-US" dirty="0"/>
           </a:p>
@@ -7926,6 +7926,23 @@
             <a:r>
               <a:rPr lang="zh-CN" altLang="en-US" dirty="0"/>
               <a:t>请编写对排序算法的单元测试，分别测试有序、随机和逆序情况下的排序结果是否正确。</a:t>
+            </a:r>
+            <a:endParaRPr lang="en-US" altLang="zh-CN" dirty="0"/>
+          </a:p>
+          <a:p>
+            <a:endParaRPr lang="en-US" altLang="zh-CN" dirty="0"/>
+          </a:p>
+          <a:p>
+            <a:r>
+              <a:rPr lang="zh-CN" altLang="en-US" dirty="0"/>
+              <a:t>请编写一个有序表合并算法作为测试目标。</a:t>
+            </a:r>
+            <a:endParaRPr lang="en-US" altLang="zh-CN" dirty="0"/>
+          </a:p>
+          <a:p>
+            <a:r>
+              <a:rPr lang="zh-CN" altLang="en-US" dirty="0"/>
+              <a:t>请编写对有序表合并算法的单元测试，分别测试无交叉、有交叉、无重复、有重复情况下的排序结果是否正确。</a:t>
             </a:r>
           </a:p>
         </p:txBody>
